--- a/blockchain_template/__ComanBTC001.pptx
+++ b/blockchain_template/__ComanBTC001.pptx
@@ -399,7 +399,7 @@
           <a:p>
             <a:fld id="{96D6C4BB-2E79-49CD-A944-440F37A05EE3}" type="datetimeFigureOut">
               <a:rPr lang="en-US" smtClean="0"/>
-              <a:t>5/31/2017</a:t>
+              <a:t>6/1/2017</a:t>
             </a:fld>
             <a:endParaRPr lang="en-US"/>
           </a:p>
@@ -567,7 +567,7 @@
           <a:p>
             <a:fld id="{96D6C4BB-2E79-49CD-A944-440F37A05EE3}" type="datetimeFigureOut">
               <a:rPr lang="en-US" smtClean="0"/>
-              <a:t>5/31/2017</a:t>
+              <a:t>6/1/2017</a:t>
             </a:fld>
             <a:endParaRPr lang="en-US"/>
           </a:p>
@@ -745,7 +745,7 @@
           <a:p>
             <a:fld id="{96D6C4BB-2E79-49CD-A944-440F37A05EE3}" type="datetimeFigureOut">
               <a:rPr lang="en-US" smtClean="0"/>
-              <a:t>5/31/2017</a:t>
+              <a:t>6/1/2017</a:t>
             </a:fld>
             <a:endParaRPr lang="en-US"/>
           </a:p>
@@ -913,7 +913,7 @@
           <a:p>
             <a:fld id="{96D6C4BB-2E79-49CD-A944-440F37A05EE3}" type="datetimeFigureOut">
               <a:rPr lang="en-US" smtClean="0"/>
-              <a:t>5/31/2017</a:t>
+              <a:t>6/1/2017</a:t>
             </a:fld>
             <a:endParaRPr lang="en-US"/>
           </a:p>
@@ -1158,7 +1158,7 @@
           <a:p>
             <a:fld id="{96D6C4BB-2E79-49CD-A944-440F37A05EE3}" type="datetimeFigureOut">
               <a:rPr lang="en-US" smtClean="0"/>
-              <a:t>5/31/2017</a:t>
+              <a:t>6/1/2017</a:t>
             </a:fld>
             <a:endParaRPr lang="en-US"/>
           </a:p>
@@ -1443,7 +1443,7 @@
           <a:p>
             <a:fld id="{96D6C4BB-2E79-49CD-A944-440F37A05EE3}" type="datetimeFigureOut">
               <a:rPr lang="en-US" smtClean="0"/>
-              <a:t>5/31/2017</a:t>
+              <a:t>6/1/2017</a:t>
             </a:fld>
             <a:endParaRPr lang="en-US"/>
           </a:p>
@@ -1862,7 +1862,7 @@
           <a:p>
             <a:fld id="{96D6C4BB-2E79-49CD-A944-440F37A05EE3}" type="datetimeFigureOut">
               <a:rPr lang="en-US" smtClean="0"/>
-              <a:t>5/31/2017</a:t>
+              <a:t>6/1/2017</a:t>
             </a:fld>
             <a:endParaRPr lang="en-US"/>
           </a:p>
@@ -1979,7 +1979,7 @@
           <a:p>
             <a:fld id="{96D6C4BB-2E79-49CD-A944-440F37A05EE3}" type="datetimeFigureOut">
               <a:rPr lang="en-US" smtClean="0"/>
-              <a:t>5/31/2017</a:t>
+              <a:t>6/1/2017</a:t>
             </a:fld>
             <a:endParaRPr lang="en-US"/>
           </a:p>
@@ -2074,7 +2074,7 @@
           <a:p>
             <a:fld id="{96D6C4BB-2E79-49CD-A944-440F37A05EE3}" type="datetimeFigureOut">
               <a:rPr lang="en-US" smtClean="0"/>
-              <a:t>5/31/2017</a:t>
+              <a:t>6/1/2017</a:t>
             </a:fld>
             <a:endParaRPr lang="en-US"/>
           </a:p>
@@ -2349,7 +2349,7 @@
           <a:p>
             <a:fld id="{96D6C4BB-2E79-49CD-A944-440F37A05EE3}" type="datetimeFigureOut">
               <a:rPr lang="en-US" smtClean="0"/>
-              <a:t>5/31/2017</a:t>
+              <a:t>6/1/2017</a:t>
             </a:fld>
             <a:endParaRPr lang="en-US"/>
           </a:p>
@@ -2601,7 +2601,7 @@
           <a:p>
             <a:fld id="{96D6C4BB-2E79-49CD-A944-440F37A05EE3}" type="datetimeFigureOut">
               <a:rPr lang="en-US" smtClean="0"/>
-              <a:t>5/31/2017</a:t>
+              <a:t>6/1/2017</a:t>
             </a:fld>
             <a:endParaRPr lang="en-US"/>
           </a:p>
@@ -2812,7 +2812,7 @@
           <a:p>
             <a:fld id="{96D6C4BB-2E79-49CD-A944-440F37A05EE3}" type="datetimeFigureOut">
               <a:rPr lang="en-US" smtClean="0"/>
-              <a:t>5/31/2017</a:t>
+              <a:t>6/1/2017</a:t>
             </a:fld>
             <a:endParaRPr lang="en-US"/>
           </a:p>
